--- a/PORTFOLIO 01_Vision&AI Base Self-driving Model Car_이준태.pptx
+++ b/PORTFOLIO 01_Vision&AI Base Self-driving Model Car_이준태.pptx
@@ -233,7 +233,7 @@
           <a:p>
             <a:fld id="{8C695F14-3543-430F-A500-EF9DBC60ECEB}" type="datetimeFigureOut">
               <a:rPr lang="ko-KR" altLang="en-US" smtClean="0"/>
-              <a:t>2019-02-25</a:t>
+              <a:t>2019-02-26</a:t>
             </a:fld>
             <a:endParaRPr lang="ko-KR" altLang="en-US"/>
           </a:p>
@@ -398,7 +398,7 @@
           <a:p>
             <a:fld id="{DF7C8F0A-CBA4-458A-A069-3C4A75B68934}" type="datetimeFigureOut">
               <a:rPr lang="ko-KR" altLang="en-US" smtClean="0"/>
-              <a:t>2019-02-25</a:t>
+              <a:t>2019-02-26</a:t>
             </a:fld>
             <a:endParaRPr lang="ko-KR" altLang="en-US"/>
           </a:p>
@@ -2729,7 +2729,7 @@
           <a:p>
             <a:fld id="{C7351A05-FE79-4763-A84F-D4FE701A9E82}" type="datetimeFigureOut">
               <a:rPr lang="ko-KR" altLang="en-US" smtClean="0"/>
-              <a:t>2019-02-25</a:t>
+              <a:t>2019-02-26</a:t>
             </a:fld>
             <a:endParaRPr lang="ko-KR" altLang="en-US"/>
           </a:p>
@@ -2906,7 +2906,7 @@
           <a:p>
             <a:fld id="{C7351A05-FE79-4763-A84F-D4FE701A9E82}" type="datetimeFigureOut">
               <a:rPr lang="ko-KR" altLang="en-US" smtClean="0"/>
-              <a:t>2019-02-25</a:t>
+              <a:t>2019-02-26</a:t>
             </a:fld>
             <a:endParaRPr lang="ko-KR" altLang="en-US"/>
           </a:p>
@@ -3086,7 +3086,7 @@
           <a:p>
             <a:fld id="{C7351A05-FE79-4763-A84F-D4FE701A9E82}" type="datetimeFigureOut">
               <a:rPr lang="ko-KR" altLang="en-US" smtClean="0"/>
-              <a:t>2019-02-25</a:t>
+              <a:t>2019-02-26</a:t>
             </a:fld>
             <a:endParaRPr lang="ko-KR" altLang="en-US"/>
           </a:p>
@@ -3264,7 +3264,7 @@
           <a:p>
             <a:fld id="{C7351A05-FE79-4763-A84F-D4FE701A9E82}" type="datetimeFigureOut">
               <a:rPr lang="ko-KR" altLang="en-US" smtClean="0"/>
-              <a:t>2019-02-25</a:t>
+              <a:t>2019-02-26</a:t>
             </a:fld>
             <a:endParaRPr lang="ko-KR" altLang="en-US"/>
           </a:p>
@@ -3565,7 +3565,7 @@
           <a:p>
             <a:fld id="{C7351A05-FE79-4763-A84F-D4FE701A9E82}" type="datetimeFigureOut">
               <a:rPr lang="ko-KR" altLang="en-US" smtClean="0"/>
-              <a:t>2019-02-25</a:t>
+              <a:t>2019-02-26</a:t>
             </a:fld>
             <a:endParaRPr lang="ko-KR" altLang="en-US"/>
           </a:p>
@@ -3797,7 +3797,7 @@
           <a:p>
             <a:fld id="{C7351A05-FE79-4763-A84F-D4FE701A9E82}" type="datetimeFigureOut">
               <a:rPr lang="ko-KR" altLang="en-US" smtClean="0"/>
-              <a:t>2019-02-25</a:t>
+              <a:t>2019-02-26</a:t>
             </a:fld>
             <a:endParaRPr lang="ko-KR" altLang="en-US"/>
           </a:p>
@@ -4164,7 +4164,7 @@
           <a:p>
             <a:fld id="{C7351A05-FE79-4763-A84F-D4FE701A9E82}" type="datetimeFigureOut">
               <a:rPr lang="ko-KR" altLang="en-US" smtClean="0"/>
-              <a:t>2019-02-25</a:t>
+              <a:t>2019-02-26</a:t>
             </a:fld>
             <a:endParaRPr lang="ko-KR" altLang="en-US"/>
           </a:p>
@@ -4282,7 +4282,7 @@
           <a:p>
             <a:fld id="{C7351A05-FE79-4763-A84F-D4FE701A9E82}" type="datetimeFigureOut">
               <a:rPr lang="ko-KR" altLang="en-US" smtClean="0"/>
-              <a:t>2019-02-25</a:t>
+              <a:t>2019-02-26</a:t>
             </a:fld>
             <a:endParaRPr lang="ko-KR" altLang="en-US"/>
           </a:p>
@@ -4377,7 +4377,7 @@
           <a:p>
             <a:fld id="{C7351A05-FE79-4763-A84F-D4FE701A9E82}" type="datetimeFigureOut">
               <a:rPr lang="ko-KR" altLang="en-US" smtClean="0"/>
-              <a:t>2019-02-25</a:t>
+              <a:t>2019-02-26</a:t>
             </a:fld>
             <a:endParaRPr lang="ko-KR" altLang="en-US"/>
           </a:p>
@@ -4654,7 +4654,7 @@
           <a:p>
             <a:fld id="{C7351A05-FE79-4763-A84F-D4FE701A9E82}" type="datetimeFigureOut">
               <a:rPr lang="ko-KR" altLang="en-US" smtClean="0"/>
-              <a:t>2019-02-25</a:t>
+              <a:t>2019-02-26</a:t>
             </a:fld>
             <a:endParaRPr lang="ko-KR" altLang="en-US"/>
           </a:p>
@@ -4907,7 +4907,7 @@
           <a:p>
             <a:fld id="{C7351A05-FE79-4763-A84F-D4FE701A9E82}" type="datetimeFigureOut">
               <a:rPr lang="ko-KR" altLang="en-US" smtClean="0"/>
-              <a:t>2019-02-25</a:t>
+              <a:t>2019-02-26</a:t>
             </a:fld>
             <a:endParaRPr lang="ko-KR" altLang="en-US"/>
           </a:p>
@@ -5120,7 +5120,7 @@
           <a:p>
             <a:fld id="{C7351A05-FE79-4763-A84F-D4FE701A9E82}" type="datetimeFigureOut">
               <a:rPr lang="ko-KR" altLang="en-US" smtClean="0"/>
-              <a:t>2019-02-25</a:t>
+              <a:t>2019-02-26</a:t>
             </a:fld>
             <a:endParaRPr lang="ko-KR" altLang="en-US"/>
           </a:p>
@@ -9845,20 +9845,12 @@
           <a:p>
             <a:pPr algn="ctr"/>
             <a:r>
-              <a:rPr lang="en-US" altLang="ko-KR" dirty="0" err="1" smtClean="0">
-                <a:solidFill>
-                  <a:schemeClr val="tx1"/>
-                </a:solidFill>
-              </a:rPr>
-              <a:t>Houg</a:t>
-            </a:r>
-            <a:r>
               <a:rPr lang="en-US" altLang="ko-KR" dirty="0" smtClean="0">
                 <a:solidFill>
                   <a:schemeClr val="tx1"/>
                 </a:solidFill>
               </a:rPr>
-              <a:t> Transform Avg.</a:t>
+              <a:t>Hough Transform Avg.</a:t>
             </a:r>
             <a:endParaRPr lang="ko-KR" altLang="en-US" dirty="0">
               <a:solidFill>
@@ -9916,23 +9908,7 @@
                   <a:schemeClr val="tx1"/>
                 </a:solidFill>
               </a:rPr>
-              <a:t>Draw Line(</a:t>
-            </a:r>
-            <a:r>
-              <a:rPr lang="en-US" altLang="ko-KR" dirty="0" err="1" smtClean="0">
-                <a:solidFill>
-                  <a:schemeClr val="tx1"/>
-                </a:solidFill>
-              </a:rPr>
-              <a:t>Lert</a:t>
-            </a:r>
-            <a:r>
-              <a:rPr lang="en-US" altLang="ko-KR" dirty="0" smtClean="0">
-                <a:solidFill>
-                  <a:schemeClr val="tx1"/>
-                </a:solidFill>
-              </a:rPr>
-              <a:t>, Right, Middle)</a:t>
+              <a:t>Draw Line(Left, Right, Middle)</a:t>
             </a:r>
             <a:endParaRPr lang="ko-KR" altLang="en-US" dirty="0">
               <a:solidFill>
@@ -10859,11 +10835,7 @@
             </a:r>
             <a:r>
               <a:rPr lang="en-US" altLang="ko-KR" dirty="0" smtClean="0"/>
-              <a:t> = [</a:t>
-            </a:r>
-            <a:r>
-              <a:rPr lang="en-US" altLang="ko-KR" dirty="0" smtClean="0"/>
-              <a:t>start(1</a:t>
+              <a:t> = [start(1</a:t>
             </a:r>
             <a:r>
               <a:rPr lang="en-US" altLang="ko-KR" dirty="0"/>
@@ -10997,11 +10969,7 @@
             </a:r>
             <a:r>
               <a:rPr lang="en-US" altLang="ko-KR" dirty="0" smtClean="0"/>
-              <a:t>’</a:t>
-            </a:r>
-            <a:r>
-              <a:rPr lang="en-US" altLang="ko-KR" dirty="0" smtClean="0"/>
-              <a:t>key </a:t>
+              <a:t>’key </a:t>
             </a:r>
             <a:r>
               <a:rPr lang="ko-KR" altLang="en-US" dirty="0" smtClean="0"/>
@@ -11048,11 +11016,7 @@
             </a:r>
             <a:r>
               <a:rPr lang="en-US" altLang="ko-KR" dirty="0" smtClean="0"/>
-              <a:t>’</a:t>
-            </a:r>
-            <a:r>
-              <a:rPr lang="en-US" altLang="ko-KR" dirty="0" smtClean="0"/>
-              <a:t>key </a:t>
+              <a:t>’key </a:t>
             </a:r>
             <a:r>
               <a:rPr lang="ko-KR" altLang="en-US" dirty="0" smtClean="0"/>
@@ -11062,7 +11026,6 @@
               <a:rPr lang="en-US" altLang="ko-KR" dirty="0" smtClean="0"/>
               <a:t>steer = steer – 1 (-15 ~ 15)</a:t>
             </a:r>
-            <a:endParaRPr lang="en-US" altLang="ko-KR" dirty="0" smtClean="0"/>
           </a:p>
         </p:txBody>
       </p:sp>
@@ -11350,13 +11313,8 @@
               <a:pPr algn="ctr"/>
               <a:r>
                 <a:rPr lang="en-US" altLang="ko-KR" dirty="0" smtClean="0"/>
-                <a:t>NVIDIA </a:t>
+                <a:t>NVIDIA JetsonTX2</a:t>
               </a:r>
-              <a:r>
-                <a:rPr lang="en-US" altLang="ko-KR" dirty="0" smtClean="0"/>
-                <a:t>JetsonTX2</a:t>
-              </a:r>
-              <a:endParaRPr lang="en-US" altLang="ko-KR" dirty="0" smtClean="0"/>
             </a:p>
           </p:txBody>
         </p:sp>
@@ -11607,11 +11565,7 @@
             <a:p>
               <a:r>
                 <a:rPr lang="en-US" altLang="ko-KR" dirty="0" smtClean="0"/>
-                <a:t>UART3 </a:t>
-              </a:r>
-              <a:r>
-                <a:rPr lang="en-US" altLang="ko-KR" dirty="0" smtClean="0"/>
-                <a:t>Transmit</a:t>
+                <a:t>UART3 Transmit</a:t>
               </a:r>
               <a:endParaRPr lang="ko-KR" altLang="en-US" dirty="0"/>
             </a:p>
@@ -36479,11 +36433,7 @@
             </a:r>
             <a:r>
               <a:rPr lang="en-US" altLang="ko-KR" b="1" dirty="0" err="1" smtClean="0"/>
-              <a:t>Test</a:t>
-            </a:r>
-            <a:r>
-              <a:rPr lang="en-US" altLang="ko-KR" b="1" dirty="0" err="1" smtClean="0"/>
-              <a:t>GUI</a:t>
+              <a:t>TestGUI</a:t>
             </a:r>
             <a:r>
               <a:rPr lang="en-US" altLang="ko-KR" b="1" dirty="0" smtClean="0"/>
@@ -36638,11 +36588,7 @@
             </a:pPr>
             <a:r>
               <a:rPr lang="en-US" altLang="ko-KR" i="1" dirty="0" smtClean="0"/>
-              <a:t>Result</a:t>
-            </a:r>
-            <a:r>
-              <a:rPr lang="en-US" altLang="ko-KR" i="1" dirty="0" smtClean="0"/>
-              <a:t> </a:t>
+              <a:t>Result </a:t>
             </a:r>
             <a:r>
               <a:rPr lang="en-US" altLang="ko-KR" sz="2400" b="1" i="1" dirty="0" smtClean="0"/>
@@ -36824,7 +36770,6 @@
               <a:rPr lang="en-US" altLang="ko-KR" dirty="0" smtClean="0"/>
               <a:t>         </a:t>
             </a:r>
-            <a:endParaRPr lang="en-US" altLang="ko-KR" dirty="0" smtClean="0"/>
           </a:p>
         </p:txBody>
       </p:sp>
@@ -36955,11 +36900,6 @@
               </a:rPr>
               <a:t>&gt;cat doll          </a:t>
             </a:r>
-            <a:endParaRPr lang="en-US" altLang="ko-KR" b="1" dirty="0" smtClean="0">
-              <a:solidFill>
-                <a:srgbClr val="FF0000"/>
-              </a:solidFill>
-            </a:endParaRPr>
           </a:p>
         </p:txBody>
       </p:sp>
@@ -37147,11 +37087,7 @@
             </a:br>
             <a:r>
               <a:rPr lang="en-US" altLang="ko-KR" dirty="0" smtClean="0"/>
-              <a:t>3. Recognition of traffic light and </a:t>
-            </a:r>
-            <a:r>
-              <a:rPr lang="en-US" altLang="ko-KR" dirty="0" smtClean="0"/>
-              <a:t>sign </a:t>
+              <a:t>3. Recognition of traffic light and sign </a:t>
             </a:r>
             <a:r>
               <a:rPr lang="en-US" altLang="ko-KR" b="1" dirty="0" smtClean="0"/>
@@ -39841,21 +39777,8 @@
                   <a:srgbClr val="FF0000"/>
                 </a:solidFill>
               </a:rPr>
-              <a:t>Electric </a:t>
+              <a:t>Electric Current</a:t>
             </a:r>
-            <a:r>
-              <a:rPr lang="en-US" altLang="ko-KR" b="1" dirty="0" smtClean="0">
-                <a:solidFill>
-                  <a:srgbClr val="FF0000"/>
-                </a:solidFill>
-              </a:rPr>
-              <a:t>Current</a:t>
-            </a:r>
-            <a:endParaRPr lang="en-US" altLang="ko-KR" b="1" dirty="0" smtClean="0">
-              <a:solidFill>
-                <a:srgbClr val="FF0000"/>
-              </a:solidFill>
-            </a:endParaRPr>
           </a:p>
         </p:txBody>
       </p:sp>
@@ -42293,17 +42216,7 @@
                   <a:latin typeface="Century Gothic" panose="020B0502020202020204" pitchFamily="34" charset="0"/>
                   <a:ea typeface="HY헤드라인M" panose="02030600000101010101" pitchFamily="18" charset="-127"/>
                 </a:rPr>
-                <a:t>NVIDIA JETSON </a:t>
-              </a:r>
-              <a:r>
-                <a:rPr lang="en-US" altLang="ko-KR" sz="1800" dirty="0" smtClean="0">
-                  <a:solidFill>
-                    <a:schemeClr val="bg1"/>
-                  </a:solidFill>
-                  <a:latin typeface="Century Gothic" panose="020B0502020202020204" pitchFamily="34" charset="0"/>
-                  <a:ea typeface="HY헤드라인M" panose="02030600000101010101" pitchFamily="18" charset="-127"/>
-                </a:rPr>
-                <a:t>XAVIER</a:t>
+                <a:t>NVIDIA JETSON XAVIER</a:t>
               </a:r>
               <a:endParaRPr lang="ko-KR" altLang="en-US" sz="1800" dirty="0">
                 <a:solidFill>
@@ -43199,86 +43112,7 @@
   <p:timing>
     <p:tnLst>
       <p:par>
-        <p:cTn id="1" dur="indefinite" restart="never" nodeType="tmRoot">
-          <p:childTnLst>
-            <p:seq concurrent="1" nextAc="seek">
-              <p:cTn id="2" dur="indefinite" nodeType="mainSeq">
-                <p:childTnLst>
-                  <p:par>
-                    <p:cTn id="3" fill="hold">
-                      <p:stCondLst>
-                        <p:cond delay="indefinite"/>
-                        <p:cond evt="onBegin" delay="0">
-                          <p:tn val="2"/>
-                        </p:cond>
-                      </p:stCondLst>
-                      <p:childTnLst>
-                        <p:par>
-                          <p:cTn id="4" fill="hold">
-                            <p:stCondLst>
-                              <p:cond delay="0"/>
-                            </p:stCondLst>
-                            <p:childTnLst>
-                              <p:par>
-                                <p:cTn id="5" presetID="22" presetClass="entr" presetSubtype="8" fill="hold" nodeType="withEffect">
-                                  <p:stCondLst>
-                                    <p:cond delay="0"/>
-                                  </p:stCondLst>
-                                  <p:childTnLst>
-                                    <p:set>
-                                      <p:cBhvr>
-                                        <p:cTn id="6" dur="1" fill="hold">
-                                          <p:stCondLst>
-                                            <p:cond delay="0"/>
-                                          </p:stCondLst>
-                                        </p:cTn>
-                                        <p:tgtEl>
-                                          <p:spTgt spid="118"/>
-                                        </p:tgtEl>
-                                        <p:attrNameLst>
-                                          <p:attrName>style.visibility</p:attrName>
-                                        </p:attrNameLst>
-                                      </p:cBhvr>
-                                      <p:to>
-                                        <p:strVal val="visible"/>
-                                      </p:to>
-                                    </p:set>
-                                    <p:animEffect transition="in" filter="wipe(left)">
-                                      <p:cBhvr>
-                                        <p:cTn id="7" dur="500"/>
-                                        <p:tgtEl>
-                                          <p:spTgt spid="118"/>
-                                        </p:tgtEl>
-                                      </p:cBhvr>
-                                    </p:animEffect>
-                                  </p:childTnLst>
-                                </p:cTn>
-                              </p:par>
-                            </p:childTnLst>
-                          </p:cTn>
-                        </p:par>
-                      </p:childTnLst>
-                    </p:cTn>
-                  </p:par>
-                </p:childTnLst>
-              </p:cTn>
-              <p:prevCondLst>
-                <p:cond evt="onPrev" delay="0">
-                  <p:tgtEl>
-                    <p:sldTgt/>
-                  </p:tgtEl>
-                </p:cond>
-              </p:prevCondLst>
-              <p:nextCondLst>
-                <p:cond evt="onNext" delay="0">
-                  <p:tgtEl>
-                    <p:sldTgt/>
-                  </p:tgtEl>
-                </p:cond>
-              </p:nextCondLst>
-            </p:seq>
-          </p:childTnLst>
-        </p:cTn>
+        <p:cTn id="1" dur="indefinite" restart="never" nodeType="tmRoot"/>
       </p:par>
     </p:tnLst>
   </p:timing>
@@ -43402,7 +43236,6 @@
               <a:rPr lang="en-US" altLang="ko-KR" b="1" dirty="0" smtClean="0"/>
               <a:t>Data</a:t>
             </a:r>
-            <a:endParaRPr lang="en-US" altLang="ko-KR" b="1" dirty="0" smtClean="0"/>
           </a:p>
         </p:txBody>
       </p:sp>
@@ -45598,17 +45431,7 @@
                   <a:latin typeface="Century Gothic" panose="020B0502020202020204" pitchFamily="34" charset="0"/>
                   <a:ea typeface="HY헤드라인M" panose="02030600000101010101" pitchFamily="18" charset="-127"/>
                 </a:rPr>
-                <a:t>NVIDIA JETSON </a:t>
-              </a:r>
-              <a:r>
-                <a:rPr lang="en-US" altLang="ko-KR" sz="1800" dirty="0" smtClean="0">
-                  <a:solidFill>
-                    <a:schemeClr val="bg1"/>
-                  </a:solidFill>
-                  <a:latin typeface="Century Gothic" panose="020B0502020202020204" pitchFamily="34" charset="0"/>
-                  <a:ea typeface="HY헤드라인M" panose="02030600000101010101" pitchFamily="18" charset="-127"/>
-                </a:rPr>
-                <a:t>XAVIER</a:t>
+                <a:t>NVIDIA JETSON XAVIER</a:t>
               </a:r>
               <a:endParaRPr lang="ko-KR" altLang="en-US" sz="1800" dirty="0">
                 <a:solidFill>
@@ -47356,16 +47179,6 @@
               </a:rPr>
               <a:t> </a:t>
             </a:r>
-            <a:r>
-              <a:rPr lang="en-US" altLang="ko-KR" sz="1600" dirty="0" smtClean="0">
-                <a:solidFill>
-                  <a:schemeClr val="bg1">
-                    <a:lumMod val="95000"/>
-                  </a:schemeClr>
-                </a:solidFill>
-              </a:rPr>
-              <a:t/>
-            </a:r>
             <a:br>
               <a:rPr lang="en-US" altLang="ko-KR" sz="1600" dirty="0" smtClean="0">
                 <a:solidFill>
@@ -47383,27 +47196,7 @@
                   </a:schemeClr>
                 </a:solidFill>
               </a:rPr>
-              <a:t>Sensor(LDS) </a:t>
-            </a:r>
-            <a:r>
-              <a:rPr lang="en-US" altLang="ko-KR" sz="1600" dirty="0" smtClean="0">
-                <a:solidFill>
-                  <a:schemeClr val="bg1">
-                    <a:lumMod val="95000"/>
-                  </a:schemeClr>
-                </a:solidFill>
-              </a:rPr>
-              <a:t>Data </a:t>
-            </a:r>
-            <a:r>
-              <a:rPr lang="en-US" altLang="ko-KR" sz="1600" dirty="0" smtClean="0">
-                <a:solidFill>
-                  <a:schemeClr val="bg1">
-                    <a:lumMod val="95000"/>
-                  </a:schemeClr>
-                </a:solidFill>
-              </a:rPr>
-              <a:t>Analysis</a:t>
+              <a:t>Sensor(LDS) Data Analysis</a:t>
             </a:r>
           </a:p>
           <a:p>
@@ -47422,13 +47215,6 @@
               </a:rPr>
               <a:t>Bluetooth Module</a:t>
             </a:r>
-            <a:endParaRPr lang="en-US" altLang="ko-KR" sz="1600" dirty="0" smtClean="0">
-              <a:solidFill>
-                <a:schemeClr val="bg1">
-                  <a:lumMod val="95000"/>
-                </a:schemeClr>
-              </a:solidFill>
-            </a:endParaRPr>
           </a:p>
           <a:p>
             <a:pPr algn="r">
@@ -47555,15 +47341,7 @@
                   <a:srgbClr val="FF0100"/>
                 </a:solidFill>
               </a:rPr>
-              <a:t>ROS </a:t>
-            </a:r>
-            <a:r>
-              <a:rPr lang="en-US" altLang="ko-KR" sz="1600" dirty="0" smtClean="0">
-                <a:solidFill>
-                  <a:srgbClr val="FF0100"/>
-                </a:solidFill>
-              </a:rPr>
-              <a:t>Publisher(Keyboard Joystick, Image Processing), Subscriber(Application)</a:t>
+              <a:t>ROS Publisher(Keyboard Joystick, Image Processing), Subscriber(Application)</a:t>
             </a:r>
             <a:endParaRPr lang="ko-KR" altLang="en-US" sz="1600" dirty="0">
               <a:solidFill>
@@ -47728,27 +47506,8 @@
                 </a:solidFill>
                 <a:latin typeface="+mn-ea"/>
               </a:rPr>
-              <a:t>Lane, Stop </a:t>
+              <a:t>Lane, Stop Line detection</a:t>
             </a:r>
-            <a:r>
-              <a:rPr lang="en-US" altLang="ko-KR" sz="1600" dirty="0" smtClean="0">
-                <a:solidFill>
-                  <a:schemeClr val="bg1">
-                    <a:lumMod val="95000"/>
-                  </a:schemeClr>
-                </a:solidFill>
-                <a:latin typeface="+mn-ea"/>
-              </a:rPr>
-              <a:t>Line detection</a:t>
-            </a:r>
-            <a:endParaRPr lang="en-US" altLang="ko-KR" sz="1600" dirty="0" smtClean="0">
-              <a:solidFill>
-                <a:schemeClr val="bg1">
-                  <a:lumMod val="95000"/>
-                </a:schemeClr>
-              </a:solidFill>
-              <a:latin typeface="+mn-ea"/>
-            </a:endParaRPr>
           </a:p>
           <a:p>
             <a:pPr>
@@ -47862,17 +47621,6 @@
                 <a:latin typeface="+mn-ea"/>
               </a:rPr>
               <a:t>ROS Publisher(A.I)</a:t>
-            </a:r>
-            <a:r>
-              <a:rPr lang="en-US" altLang="ko-KR" sz="1600" dirty="0" smtClean="0">
-                <a:solidFill>
-                  <a:schemeClr val="bg1">
-                    <a:lumMod val="95000"/>
-                  </a:schemeClr>
-                </a:solidFill>
-                <a:latin typeface="+mn-ea"/>
-              </a:rPr>
-              <a:t/>
             </a:r>
             <a:br>
               <a:rPr lang="en-US" altLang="ko-KR" sz="1600" dirty="0" smtClean="0">
@@ -48096,11 +47844,7 @@
               <a:pPr algn="ctr"/>
               <a:r>
                 <a:rPr lang="en-US" altLang="ko-KR" dirty="0" smtClean="0"/>
-                <a:t>Node ‘KEYBOARD</a:t>
-              </a:r>
-              <a:r>
-                <a:rPr lang="en-US" altLang="ko-KR" dirty="0" smtClean="0"/>
-                <a:t>’</a:t>
+                <a:t>Node ‘KEYBOARD’</a:t>
               </a:r>
             </a:p>
             <a:p>
@@ -48131,7 +47875,6 @@
                 <a:rPr lang="en-US" altLang="ko-KR" dirty="0" smtClean="0"/>
                 <a:t>]</a:t>
               </a:r>
-              <a:endParaRPr lang="en-US" altLang="ko-KR" dirty="0" smtClean="0"/>
             </a:p>
           </p:txBody>
         </p:sp>
@@ -48173,11 +47916,7 @@
               <a:pPr algn="ctr"/>
               <a:r>
                 <a:rPr lang="en-US" altLang="ko-KR" dirty="0" smtClean="0"/>
-                <a:t>Node ‘AI</a:t>
-              </a:r>
-              <a:r>
-                <a:rPr lang="en-US" altLang="ko-KR" dirty="0" smtClean="0"/>
-                <a:t>’</a:t>
+                <a:t>Node ‘AI’</a:t>
               </a:r>
             </a:p>
             <a:p>
@@ -48254,11 +47993,7 @@
               <a:pPr algn="ctr"/>
               <a:r>
                 <a:rPr lang="en-US" altLang="ko-KR" dirty="0" smtClean="0"/>
-                <a:t>Node ‘LDS</a:t>
-              </a:r>
-              <a:r>
-                <a:rPr lang="en-US" altLang="ko-KR" dirty="0" smtClean="0"/>
-                <a:t>’</a:t>
+                <a:t>Node ‘LDS’</a:t>
               </a:r>
             </a:p>
             <a:p>
@@ -48335,11 +48070,7 @@
               <a:pPr algn="ctr"/>
               <a:r>
                 <a:rPr lang="en-US" altLang="ko-KR" dirty="0" smtClean="0"/>
-                <a:t>Node ‘CAM</a:t>
-              </a:r>
-              <a:r>
-                <a:rPr lang="en-US" altLang="ko-KR" dirty="0" smtClean="0"/>
-                <a:t>’</a:t>
+                <a:t>Node ‘CAM’</a:t>
               </a:r>
             </a:p>
             <a:p>
@@ -48536,7 +48267,6 @@
               <a:rPr lang="en-US" altLang="ko-KR" b="1" dirty="0" smtClean="0"/>
               <a:t>Publisher</a:t>
             </a:r>
-            <a:endParaRPr lang="en-US" altLang="ko-KR" b="1" dirty="0" smtClean="0"/>
           </a:p>
         </p:txBody>
       </p:sp>
@@ -48567,7 +48297,6 @@
               <a:rPr lang="en-US" altLang="ko-KR" b="1" dirty="0" smtClean="0"/>
               <a:t>Subscriber</a:t>
             </a:r>
-            <a:endParaRPr lang="en-US" altLang="ko-KR" b="1" dirty="0" smtClean="0"/>
           </a:p>
         </p:txBody>
       </p:sp>

--- a/PORTFOLIO 01_Vision&AI Base Self-driving Model Car_이준태.pptx
+++ b/PORTFOLIO 01_Vision&AI Base Self-driving Model Car_이준태.pptx
@@ -134,7 +134,7 @@
   </p:defaultTextStyle>
   <p:extLst>
     <p:ext uri="{EFAFB233-063F-42B5-8137-9DF3F51BA10A}">
-      <p15:sldGuideLst xmlns="" xmlns:p15="http://schemas.microsoft.com/office/powerpoint/2012/main">
+      <p15:sldGuideLst xmlns:p15="http://schemas.microsoft.com/office/powerpoint/2012/main" xmlns="">
         <p15:guide id="1" orient="horz" pos="2160" userDrawn="1">
           <p15:clr>
             <a:srgbClr val="A4A3A4"/>
@@ -35205,8 +35205,8 @@
         </p:nvSpPr>
         <p:spPr>
           <a:xfrm>
-            <a:off x="3695893" y="2048285"/>
-            <a:ext cx="1111250" cy="646331"/>
+            <a:off x="3695893" y="1837563"/>
+            <a:ext cx="1111250" cy="923330"/>
           </a:xfrm>
           <a:prstGeom prst="rect">
             <a:avLst/>
@@ -35229,8 +35229,24 @@
             <a:pPr algn="ctr"/>
             <a:r>
               <a:rPr lang="en-US" altLang="ko-KR" dirty="0" smtClean="0"/>
-              <a:t>R15(31)</a:t>
+              <a:t>R15(31</a:t>
             </a:r>
+            <a:r>
+              <a:rPr lang="en-US" altLang="ko-KR" dirty="0" smtClean="0"/>
+              <a:t>)</a:t>
+            </a:r>
+          </a:p>
+          <a:p>
+            <a:pPr algn="ctr"/>
+            <a:r>
+              <a:rPr lang="en-US" altLang="ko-KR" dirty="0" smtClean="0"/>
+              <a:t>30</a:t>
+            </a:r>
+            <a:r>
+              <a:rPr lang="ko-KR" altLang="en-US" dirty="0" smtClean="0"/>
+              <a:t>도</a:t>
+            </a:r>
+            <a:endParaRPr lang="en-US" altLang="ko-KR" dirty="0" smtClean="0"/>
           </a:p>
         </p:txBody>
       </p:sp>
@@ -35242,7 +35258,7 @@
         </p:nvSpPr>
         <p:spPr>
           <a:xfrm>
-            <a:off x="567348" y="1857785"/>
+            <a:off x="567348" y="1837563"/>
             <a:ext cx="1206111" cy="923330"/>
           </a:xfrm>
           <a:prstGeom prst="rect">
@@ -37115,7 +37131,7 @@
             <p:cNvPr id="6" name="Picture 2">
               <a:extLst>
                 <a:ext uri="{FF2B5EF4-FFF2-40B4-BE49-F238E27FC236}">
-                  <a16:creationId xmlns="" xmlns:a16="http://schemas.microsoft.com/office/drawing/2014/main" id="{77620CD9-E6D2-46BF-A413-3974AF5A5D9C}"/>
+                  <a16:creationId xmlns:a16="http://schemas.microsoft.com/office/drawing/2014/main" xmlns="" id="{77620CD9-E6D2-46BF-A413-3974AF5A5D9C}"/>
                 </a:ext>
               </a:extLst>
             </p:cNvPr>
@@ -37185,7 +37201,7 @@
             <p:cNvPr id="7" name="TextBox 14">
               <a:extLst>
                 <a:ext uri="{FF2B5EF4-FFF2-40B4-BE49-F238E27FC236}">
-                  <a16:creationId xmlns="" xmlns:a16="http://schemas.microsoft.com/office/drawing/2014/main" id="{AE350F21-0B61-4616-A603-33354A74C370}"/>
+                  <a16:creationId xmlns:a16="http://schemas.microsoft.com/office/drawing/2014/main" xmlns="" id="{AE350F21-0B61-4616-A603-33354A74C370}"/>
                 </a:ext>
               </a:extLst>
             </p:cNvPr>
@@ -37439,7 +37455,7 @@
             <p:cNvPr id="8" name="TextBox 15">
               <a:extLst>
                 <a:ext uri="{FF2B5EF4-FFF2-40B4-BE49-F238E27FC236}">
-                  <a16:creationId xmlns="" xmlns:a16="http://schemas.microsoft.com/office/drawing/2014/main" id="{7F165F41-F68E-4E1B-80DF-27348519EE1D}"/>
+                  <a16:creationId xmlns:a16="http://schemas.microsoft.com/office/drawing/2014/main" xmlns="" id="{7F165F41-F68E-4E1B-80DF-27348519EE1D}"/>
                 </a:ext>
               </a:extLst>
             </p:cNvPr>
@@ -37687,7 +37703,7 @@
             <p:cNvPr id="9" name="구부러진 연결선 8">
               <a:extLst>
                 <a:ext uri="{FF2B5EF4-FFF2-40B4-BE49-F238E27FC236}">
-                  <a16:creationId xmlns="" xmlns:a16="http://schemas.microsoft.com/office/drawing/2014/main" id="{29683213-5AFF-47E9-8B44-1C3773033129}"/>
+                  <a16:creationId xmlns:a16="http://schemas.microsoft.com/office/drawing/2014/main" xmlns="" id="{29683213-5AFF-47E9-8B44-1C3773033129}"/>
                 </a:ext>
               </a:extLst>
             </p:cNvPr>
@@ -37734,7 +37750,7 @@
             <p:cNvPr id="10" name="TextBox 23">
               <a:extLst>
                 <a:ext uri="{FF2B5EF4-FFF2-40B4-BE49-F238E27FC236}">
-                  <a16:creationId xmlns="" xmlns:a16="http://schemas.microsoft.com/office/drawing/2014/main" id="{B2504700-5C94-4114-82C6-3856A3BBF070}"/>
+                  <a16:creationId xmlns:a16="http://schemas.microsoft.com/office/drawing/2014/main" xmlns="" id="{B2504700-5C94-4114-82C6-3856A3BBF070}"/>
                 </a:ext>
               </a:extLst>
             </p:cNvPr>
@@ -37988,7 +38004,7 @@
             <p:cNvPr id="11" name="TextBox 24">
               <a:extLst>
                 <a:ext uri="{FF2B5EF4-FFF2-40B4-BE49-F238E27FC236}">
-                  <a16:creationId xmlns="" xmlns:a16="http://schemas.microsoft.com/office/drawing/2014/main" id="{44804115-EFB9-4024-92EE-A2E1B501A2D2}"/>
+                  <a16:creationId xmlns:a16="http://schemas.microsoft.com/office/drawing/2014/main" xmlns="" id="{44804115-EFB9-4024-92EE-A2E1B501A2D2}"/>
                 </a:ext>
               </a:extLst>
             </p:cNvPr>
@@ -38236,7 +38252,7 @@
             <p:cNvPr id="12" name="구부러진 연결선 11">
               <a:extLst>
                 <a:ext uri="{FF2B5EF4-FFF2-40B4-BE49-F238E27FC236}">
-                  <a16:creationId xmlns="" xmlns:a16="http://schemas.microsoft.com/office/drawing/2014/main" id="{7635E953-CF0E-4519-A223-EC49AA5EB730}"/>
+                  <a16:creationId xmlns:a16="http://schemas.microsoft.com/office/drawing/2014/main" xmlns="" id="{7635E953-CF0E-4519-A223-EC49AA5EB730}"/>
                 </a:ext>
               </a:extLst>
             </p:cNvPr>
@@ -38282,7 +38298,7 @@
             <p:cNvPr id="13" name="TextBox 28">
               <a:extLst>
                 <a:ext uri="{FF2B5EF4-FFF2-40B4-BE49-F238E27FC236}">
-                  <a16:creationId xmlns="" xmlns:a16="http://schemas.microsoft.com/office/drawing/2014/main" id="{997278DC-2F4D-4A92-8AFB-9AAB20620EC3}"/>
+                  <a16:creationId xmlns:a16="http://schemas.microsoft.com/office/drawing/2014/main" xmlns="" id="{997278DC-2F4D-4A92-8AFB-9AAB20620EC3}"/>
                 </a:ext>
               </a:extLst>
             </p:cNvPr>
@@ -38536,7 +38552,7 @@
             <p:cNvPr id="14" name="TextBox 29">
               <a:extLst>
                 <a:ext uri="{FF2B5EF4-FFF2-40B4-BE49-F238E27FC236}">
-                  <a16:creationId xmlns="" xmlns:a16="http://schemas.microsoft.com/office/drawing/2014/main" id="{6E0632F5-A815-469B-8EE9-35F2292449DD}"/>
+                  <a16:creationId xmlns:a16="http://schemas.microsoft.com/office/drawing/2014/main" xmlns="" id="{6E0632F5-A815-469B-8EE9-35F2292449DD}"/>
                 </a:ext>
               </a:extLst>
             </p:cNvPr>
@@ -38784,7 +38800,7 @@
             <p:cNvPr id="15" name="구부러진 연결선 14">
               <a:extLst>
                 <a:ext uri="{FF2B5EF4-FFF2-40B4-BE49-F238E27FC236}">
-                  <a16:creationId xmlns="" xmlns:a16="http://schemas.microsoft.com/office/drawing/2014/main" id="{6745F4A7-AB59-4F0C-80D8-9BCFE3AF4775}"/>
+                  <a16:creationId xmlns:a16="http://schemas.microsoft.com/office/drawing/2014/main" xmlns="" id="{6745F4A7-AB59-4F0C-80D8-9BCFE3AF4775}"/>
                 </a:ext>
               </a:extLst>
             </p:cNvPr>
@@ -38830,7 +38846,7 @@
             <p:cNvPr id="16" name="TextBox 32">
               <a:extLst>
                 <a:ext uri="{FF2B5EF4-FFF2-40B4-BE49-F238E27FC236}">
-                  <a16:creationId xmlns="" xmlns:a16="http://schemas.microsoft.com/office/drawing/2014/main" id="{AF264379-3033-4C2A-BB52-1BB2CCF56490}"/>
+                  <a16:creationId xmlns:a16="http://schemas.microsoft.com/office/drawing/2014/main" xmlns="" id="{AF264379-3033-4C2A-BB52-1BB2CCF56490}"/>
                 </a:ext>
               </a:extLst>
             </p:cNvPr>
@@ -39148,7 +39164,7 @@
             <p:cNvPr id="19" name="직사각형 18">
               <a:extLst>
                 <a:ext uri="{FF2B5EF4-FFF2-40B4-BE49-F238E27FC236}">
-                  <a16:creationId xmlns="" xmlns:a16="http://schemas.microsoft.com/office/drawing/2014/main" id="{3DE18ED4-D561-4D32-B799-164A04111DFC}"/>
+                  <a16:creationId xmlns:a16="http://schemas.microsoft.com/office/drawing/2014/main" xmlns="" id="{3DE18ED4-D561-4D32-B799-164A04111DFC}"/>
                 </a:ext>
               </a:extLst>
             </p:cNvPr>
@@ -39211,7 +39227,7 @@
             <p:cNvPr id="20" name="직사각형 19">
               <a:extLst>
                 <a:ext uri="{FF2B5EF4-FFF2-40B4-BE49-F238E27FC236}">
-                  <a16:creationId xmlns="" xmlns:a16="http://schemas.microsoft.com/office/drawing/2014/main" id="{3CBA6BB8-C07D-4569-9E52-DA67862A1F75}"/>
+                  <a16:creationId xmlns:a16="http://schemas.microsoft.com/office/drawing/2014/main" xmlns="" id="{3CBA6BB8-C07D-4569-9E52-DA67862A1F75}"/>
                 </a:ext>
               </a:extLst>
             </p:cNvPr>
@@ -39288,7 +39304,7 @@
               <p:cNvPr id="18" name="직사각형 17">
                 <a:extLst>
                   <a:ext uri="{FF2B5EF4-FFF2-40B4-BE49-F238E27FC236}">
-                    <a16:creationId xmlns="" xmlns:a16="http://schemas.microsoft.com/office/drawing/2014/main" id="{4E46DE13-8DB3-4782-92FF-92375DEB220E}"/>
+                    <a16:creationId xmlns:a16="http://schemas.microsoft.com/office/drawing/2014/main" xmlns="" id="{4E46DE13-8DB3-4782-92FF-92375DEB220E}"/>
                   </a:ext>
                 </a:extLst>
               </p:cNvPr>
@@ -39351,7 +39367,7 @@
               <p:cNvPr id="21" name="직사각형 20">
                 <a:extLst>
                   <a:ext uri="{FF2B5EF4-FFF2-40B4-BE49-F238E27FC236}">
-                    <a16:creationId xmlns="" xmlns:a16="http://schemas.microsoft.com/office/drawing/2014/main" id="{85F2D35D-692A-47F7-9644-CF50A349948D}"/>
+                    <a16:creationId xmlns:a16="http://schemas.microsoft.com/office/drawing/2014/main" xmlns="" id="{85F2D35D-692A-47F7-9644-CF50A349948D}"/>
                   </a:ext>
                 </a:extLst>
               </p:cNvPr>
@@ -39429,7 +39445,7 @@
               <p:cNvPr id="17" name="직사각형 16">
                 <a:extLst>
                   <a:ext uri="{FF2B5EF4-FFF2-40B4-BE49-F238E27FC236}">
-                    <a16:creationId xmlns="" xmlns:a16="http://schemas.microsoft.com/office/drawing/2014/main" id="{786A9F6F-C0A2-4157-8EBC-CE87C2D289A2}"/>
+                    <a16:creationId xmlns:a16="http://schemas.microsoft.com/office/drawing/2014/main" xmlns="" id="{786A9F6F-C0A2-4157-8EBC-CE87C2D289A2}"/>
                   </a:ext>
                 </a:extLst>
               </p:cNvPr>
@@ -39510,7 +39526,7 @@
               <p:cNvPr id="22" name="직사각형 21">
                 <a:extLst>
                   <a:ext uri="{FF2B5EF4-FFF2-40B4-BE49-F238E27FC236}">
-                    <a16:creationId xmlns="" xmlns:a16="http://schemas.microsoft.com/office/drawing/2014/main" id="{D6190622-2C0B-4349-87D1-E485A3DC52A4}"/>
+                    <a16:creationId xmlns:a16="http://schemas.microsoft.com/office/drawing/2014/main" xmlns="" id="{D6190622-2C0B-4349-87D1-E485A3DC52A4}"/>
                   </a:ext>
                 </a:extLst>
               </p:cNvPr>
@@ -39787,7 +39803,7 @@
           <p:cNvPr id="33" name="직사각형 17">
             <a:extLst>
               <a:ext uri="{FF2B5EF4-FFF2-40B4-BE49-F238E27FC236}">
-                <a16:creationId xmlns="" xmlns:a16="http://schemas.microsoft.com/office/drawing/2014/main" id="{D9448866-FE7D-4F37-ABEF-04663F467C92}"/>
+                <a16:creationId xmlns:a16="http://schemas.microsoft.com/office/drawing/2014/main" xmlns="" id="{D9448866-FE7D-4F37-ABEF-04663F467C92}"/>
               </a:ext>
             </a:extLst>
           </p:cNvPr>
@@ -40195,7 +40211,7 @@
           <p:cNvPr id="115" name="직사각형 17">
             <a:extLst>
               <a:ext uri="{FF2B5EF4-FFF2-40B4-BE49-F238E27FC236}">
-                <a16:creationId xmlns="" xmlns:a16="http://schemas.microsoft.com/office/drawing/2014/main" id="{D9448866-FE7D-4F37-ABEF-04663F467C92}"/>
+                <a16:creationId xmlns:a16="http://schemas.microsoft.com/office/drawing/2014/main" xmlns="" id="{D9448866-FE7D-4F37-ABEF-04663F467C92}"/>
               </a:ext>
             </a:extLst>
           </p:cNvPr>
@@ -40457,7 +40473,7 @@
           <p:cNvPr id="116" name="직사각형 17">
             <a:extLst>
               <a:ext uri="{FF2B5EF4-FFF2-40B4-BE49-F238E27FC236}">
-                <a16:creationId xmlns="" xmlns:a16="http://schemas.microsoft.com/office/drawing/2014/main" id="{D9448866-FE7D-4F37-ABEF-04663F467C92}"/>
+                <a16:creationId xmlns:a16="http://schemas.microsoft.com/office/drawing/2014/main" xmlns="" id="{D9448866-FE7D-4F37-ABEF-04663F467C92}"/>
               </a:ext>
             </a:extLst>
           </p:cNvPr>
@@ -40716,7 +40732,7 @@
             <p:cNvPr id="122" name="직사각형 17">
               <a:extLst>
                 <a:ext uri="{FF2B5EF4-FFF2-40B4-BE49-F238E27FC236}">
-                  <a16:creationId xmlns="" xmlns:a16="http://schemas.microsoft.com/office/drawing/2014/main" id="{D9448866-FE7D-4F37-ABEF-04663F467C92}"/>
+                  <a16:creationId xmlns:a16="http://schemas.microsoft.com/office/drawing/2014/main" xmlns="" id="{D9448866-FE7D-4F37-ABEF-04663F467C92}"/>
                 </a:ext>
               </a:extLst>
             </p:cNvPr>
@@ -40961,7 +40977,7 @@
             <p:cNvPr id="125" name="직사각형 17">
               <a:extLst>
                 <a:ext uri="{FF2B5EF4-FFF2-40B4-BE49-F238E27FC236}">
-                  <a16:creationId xmlns="" xmlns:a16="http://schemas.microsoft.com/office/drawing/2014/main" id="{D9448866-FE7D-4F37-ABEF-04663F467C92}"/>
+                  <a16:creationId xmlns:a16="http://schemas.microsoft.com/office/drawing/2014/main" xmlns="" id="{D9448866-FE7D-4F37-ABEF-04663F467C92}"/>
                 </a:ext>
               </a:extLst>
             </p:cNvPr>
@@ -41216,7 +41232,7 @@
             <p:cNvPr id="130" name="직사각형 17">
               <a:extLst>
                 <a:ext uri="{FF2B5EF4-FFF2-40B4-BE49-F238E27FC236}">
-                  <a16:creationId xmlns="" xmlns:a16="http://schemas.microsoft.com/office/drawing/2014/main" id="{D9448866-FE7D-4F37-ABEF-04663F467C92}"/>
+                  <a16:creationId xmlns:a16="http://schemas.microsoft.com/office/drawing/2014/main" xmlns="" id="{D9448866-FE7D-4F37-ABEF-04663F467C92}"/>
                 </a:ext>
               </a:extLst>
             </p:cNvPr>
@@ -41476,7 +41492,7 @@
             <p:cNvPr id="119" name="직사각형 17">
               <a:extLst>
                 <a:ext uri="{FF2B5EF4-FFF2-40B4-BE49-F238E27FC236}">
-                  <a16:creationId xmlns="" xmlns:a16="http://schemas.microsoft.com/office/drawing/2014/main" id="{D9448866-FE7D-4F37-ABEF-04663F467C92}"/>
+                  <a16:creationId xmlns:a16="http://schemas.microsoft.com/office/drawing/2014/main" xmlns="" id="{D9448866-FE7D-4F37-ABEF-04663F467C92}"/>
                 </a:ext>
               </a:extLst>
             </p:cNvPr>
@@ -41721,7 +41737,7 @@
             <p:cNvPr id="132" name="직사각형 17">
               <a:extLst>
                 <a:ext uri="{FF2B5EF4-FFF2-40B4-BE49-F238E27FC236}">
-                  <a16:creationId xmlns="" xmlns:a16="http://schemas.microsoft.com/office/drawing/2014/main" id="{D9448866-FE7D-4F37-ABEF-04663F467C92}"/>
+                  <a16:creationId xmlns:a16="http://schemas.microsoft.com/office/drawing/2014/main" xmlns="" id="{D9448866-FE7D-4F37-ABEF-04663F467C92}"/>
                 </a:ext>
               </a:extLst>
             </p:cNvPr>
@@ -41981,7 +41997,7 @@
             <p:cNvPr id="25" name="직사각형 3">
               <a:extLst>
                 <a:ext uri="{FF2B5EF4-FFF2-40B4-BE49-F238E27FC236}">
-                  <a16:creationId xmlns="" xmlns:a16="http://schemas.microsoft.com/office/drawing/2014/main" id="{9DDD3A7C-5A29-46BD-8053-EBDF3DCA9AF2}"/>
+                  <a16:creationId xmlns:a16="http://schemas.microsoft.com/office/drawing/2014/main" xmlns="" id="{9DDD3A7C-5A29-46BD-8053-EBDF3DCA9AF2}"/>
                 </a:ext>
               </a:extLst>
             </p:cNvPr>
@@ -42233,7 +42249,7 @@
             <p:cNvPr id="36" name="직사각형 3">
               <a:extLst>
                 <a:ext uri="{FF2B5EF4-FFF2-40B4-BE49-F238E27FC236}">
-                  <a16:creationId xmlns="" xmlns:a16="http://schemas.microsoft.com/office/drawing/2014/main" id="{9DDD3A7C-5A29-46BD-8053-EBDF3DCA9AF2}"/>
+                  <a16:creationId xmlns:a16="http://schemas.microsoft.com/office/drawing/2014/main" xmlns="" id="{9DDD3A7C-5A29-46BD-8053-EBDF3DCA9AF2}"/>
                 </a:ext>
               </a:extLst>
             </p:cNvPr>
@@ -42486,7 +42502,7 @@
           <p:cNvPr id="42" name="직사각형 17">
             <a:extLst>
               <a:ext uri="{FF2B5EF4-FFF2-40B4-BE49-F238E27FC236}">
-                <a16:creationId xmlns="" xmlns:a16="http://schemas.microsoft.com/office/drawing/2014/main" id="{D9448866-FE7D-4F37-ABEF-04663F467C92}"/>
+                <a16:creationId xmlns:a16="http://schemas.microsoft.com/office/drawing/2014/main" xmlns="" id="{D9448866-FE7D-4F37-ABEF-04663F467C92}"/>
               </a:ext>
             </a:extLst>
           </p:cNvPr>
@@ -43427,7 +43443,7 @@
           <p:cNvPr id="116" name="직사각형 17">
             <a:extLst>
               <a:ext uri="{FF2B5EF4-FFF2-40B4-BE49-F238E27FC236}">
-                <a16:creationId xmlns="" xmlns:a16="http://schemas.microsoft.com/office/drawing/2014/main" id="{D9448866-FE7D-4F37-ABEF-04663F467C92}"/>
+                <a16:creationId xmlns:a16="http://schemas.microsoft.com/office/drawing/2014/main" xmlns="" id="{D9448866-FE7D-4F37-ABEF-04663F467C92}"/>
               </a:ext>
             </a:extLst>
           </p:cNvPr>
@@ -43686,7 +43702,7 @@
             <p:cNvPr id="122" name="직사각형 17">
               <a:extLst>
                 <a:ext uri="{FF2B5EF4-FFF2-40B4-BE49-F238E27FC236}">
-                  <a16:creationId xmlns="" xmlns:a16="http://schemas.microsoft.com/office/drawing/2014/main" id="{D9448866-FE7D-4F37-ABEF-04663F467C92}"/>
+                  <a16:creationId xmlns:a16="http://schemas.microsoft.com/office/drawing/2014/main" xmlns="" id="{D9448866-FE7D-4F37-ABEF-04663F467C92}"/>
                 </a:ext>
               </a:extLst>
             </p:cNvPr>
@@ -43931,7 +43947,7 @@
             <p:cNvPr id="125" name="직사각형 17">
               <a:extLst>
                 <a:ext uri="{FF2B5EF4-FFF2-40B4-BE49-F238E27FC236}">
-                  <a16:creationId xmlns="" xmlns:a16="http://schemas.microsoft.com/office/drawing/2014/main" id="{D9448866-FE7D-4F37-ABEF-04663F467C92}"/>
+                  <a16:creationId xmlns:a16="http://schemas.microsoft.com/office/drawing/2014/main" xmlns="" id="{D9448866-FE7D-4F37-ABEF-04663F467C92}"/>
                 </a:ext>
               </a:extLst>
             </p:cNvPr>
@@ -44186,7 +44202,7 @@
             <p:cNvPr id="130" name="직사각형 17">
               <a:extLst>
                 <a:ext uri="{FF2B5EF4-FFF2-40B4-BE49-F238E27FC236}">
-                  <a16:creationId xmlns="" xmlns:a16="http://schemas.microsoft.com/office/drawing/2014/main" id="{D9448866-FE7D-4F37-ABEF-04663F467C92}"/>
+                  <a16:creationId xmlns:a16="http://schemas.microsoft.com/office/drawing/2014/main" xmlns="" id="{D9448866-FE7D-4F37-ABEF-04663F467C92}"/>
                 </a:ext>
               </a:extLst>
             </p:cNvPr>
@@ -44431,7 +44447,7 @@
             <p:cNvPr id="131" name="직사각형 17">
               <a:extLst>
                 <a:ext uri="{FF2B5EF4-FFF2-40B4-BE49-F238E27FC236}">
-                  <a16:creationId xmlns="" xmlns:a16="http://schemas.microsoft.com/office/drawing/2014/main" id="{D9448866-FE7D-4F37-ABEF-04663F467C92}"/>
+                  <a16:creationId xmlns:a16="http://schemas.microsoft.com/office/drawing/2014/main" xmlns="" id="{D9448866-FE7D-4F37-ABEF-04663F467C92}"/>
                 </a:ext>
               </a:extLst>
             </p:cNvPr>
@@ -44691,7 +44707,7 @@
             <p:cNvPr id="119" name="직사각형 17">
               <a:extLst>
                 <a:ext uri="{FF2B5EF4-FFF2-40B4-BE49-F238E27FC236}">
-                  <a16:creationId xmlns="" xmlns:a16="http://schemas.microsoft.com/office/drawing/2014/main" id="{D9448866-FE7D-4F37-ABEF-04663F467C92}"/>
+                  <a16:creationId xmlns:a16="http://schemas.microsoft.com/office/drawing/2014/main" xmlns="" id="{D9448866-FE7D-4F37-ABEF-04663F467C92}"/>
                 </a:ext>
               </a:extLst>
             </p:cNvPr>
@@ -44936,7 +44952,7 @@
             <p:cNvPr id="132" name="직사각형 17">
               <a:extLst>
                 <a:ext uri="{FF2B5EF4-FFF2-40B4-BE49-F238E27FC236}">
-                  <a16:creationId xmlns="" xmlns:a16="http://schemas.microsoft.com/office/drawing/2014/main" id="{D9448866-FE7D-4F37-ABEF-04663F467C92}"/>
+                  <a16:creationId xmlns:a16="http://schemas.microsoft.com/office/drawing/2014/main" xmlns="" id="{D9448866-FE7D-4F37-ABEF-04663F467C92}"/>
                 </a:ext>
               </a:extLst>
             </p:cNvPr>
@@ -45196,7 +45212,7 @@
             <p:cNvPr id="25" name="직사각형 3">
               <a:extLst>
                 <a:ext uri="{FF2B5EF4-FFF2-40B4-BE49-F238E27FC236}">
-                  <a16:creationId xmlns="" xmlns:a16="http://schemas.microsoft.com/office/drawing/2014/main" id="{9DDD3A7C-5A29-46BD-8053-EBDF3DCA9AF2}"/>
+                  <a16:creationId xmlns:a16="http://schemas.microsoft.com/office/drawing/2014/main" xmlns="" id="{9DDD3A7C-5A29-46BD-8053-EBDF3DCA9AF2}"/>
                 </a:ext>
               </a:extLst>
             </p:cNvPr>
@@ -45448,7 +45464,7 @@
             <p:cNvPr id="36" name="직사각형 3">
               <a:extLst>
                 <a:ext uri="{FF2B5EF4-FFF2-40B4-BE49-F238E27FC236}">
-                  <a16:creationId xmlns="" xmlns:a16="http://schemas.microsoft.com/office/drawing/2014/main" id="{9DDD3A7C-5A29-46BD-8053-EBDF3DCA9AF2}"/>
+                  <a16:creationId xmlns:a16="http://schemas.microsoft.com/office/drawing/2014/main" xmlns="" id="{9DDD3A7C-5A29-46BD-8053-EBDF3DCA9AF2}"/>
                 </a:ext>
               </a:extLst>
             </p:cNvPr>
@@ -45701,7 +45717,7 @@
           <p:cNvPr id="42" name="직사각형 17">
             <a:extLst>
               <a:ext uri="{FF2B5EF4-FFF2-40B4-BE49-F238E27FC236}">
-                <a16:creationId xmlns="" xmlns:a16="http://schemas.microsoft.com/office/drawing/2014/main" id="{D9448866-FE7D-4F37-ABEF-04663F467C92}"/>
+                <a16:creationId xmlns:a16="http://schemas.microsoft.com/office/drawing/2014/main" xmlns="" id="{D9448866-FE7D-4F37-ABEF-04663F467C92}"/>
               </a:ext>
             </a:extLst>
           </p:cNvPr>
@@ -50009,7 +50025,7 @@
   <a:extraClrSchemeLst/>
   <a:extLst>
     <a:ext uri="{05A4C25C-085E-4340-85A3-A5531E510DB2}">
-      <thm15:themeFamily xmlns="" xmlns:thm15="http://schemas.microsoft.com/office/thememl/2012/main" name="Office Theme" id="{62F939B6-93AF-4DB8-9C6B-D6C7DFDC589F}" vid="{4A3C46E8-61CC-4603-A589-7422A47A8E4A}"/>
+      <thm15:themeFamily xmlns:thm15="http://schemas.microsoft.com/office/thememl/2012/main" xmlns="" name="Office Theme" id="{62F939B6-93AF-4DB8-9C6B-D6C7DFDC589F}" vid="{4A3C46E8-61CC-4603-A589-7422A47A8E4A}"/>
     </a:ext>
   </a:extLst>
 </a:theme>
